--- a/Programacion web extendido/PW_Sesion18.pptx
+++ b/Programacion web extendido/PW_Sesion18.pptx
@@ -230,7 +230,7 @@
           <a:p>
             <a:fld id="{7FF7D7FF-DDC7-474C-8526-899954A31AD1}" type="datetimeFigureOut">
               <a:rPr lang="es-EC" smtClean="0"/>
-              <a:t>1/9/2024</a:t>
+              <a:t>1/10/2024</a:t>
             </a:fld>
             <a:endParaRPr lang="es-EC"/>
           </a:p>
@@ -407,7 +407,7 @@
           <a:p>
             <a:fld id="{A266080D-5226-48DF-A08B-67FADEB85FAB}" type="datetimeFigureOut">
               <a:rPr lang="es-419" smtClean="0"/>
-              <a:t>1/9/2024</a:t>
+              <a:t>1/10/2024</a:t>
             </a:fld>
             <a:endParaRPr lang="es-419"/>
           </a:p>
@@ -806,7 +806,7 @@
           <a:p>
             <a:fld id="{8FEB83C7-CE7D-EE43-931B-A983B2AE7CF3}" type="datetimeFigureOut">
               <a:rPr lang="es-EC" smtClean="0"/>
-              <a:t>1/9/2024</a:t>
+              <a:t>1/10/2024</a:t>
             </a:fld>
             <a:endParaRPr lang="es-EC"/>
           </a:p>
@@ -976,7 +976,7 @@
           <a:p>
             <a:fld id="{8FEB83C7-CE7D-EE43-931B-A983B2AE7CF3}" type="datetimeFigureOut">
               <a:rPr lang="es-EC" smtClean="0"/>
-              <a:t>1/9/2024</a:t>
+              <a:t>1/10/2024</a:t>
             </a:fld>
             <a:endParaRPr lang="es-EC"/>
           </a:p>
@@ -1156,7 +1156,7 @@
           <a:p>
             <a:fld id="{8FEB83C7-CE7D-EE43-931B-A983B2AE7CF3}" type="datetimeFigureOut">
               <a:rPr lang="es-EC" smtClean="0"/>
-              <a:t>1/9/2024</a:t>
+              <a:t>1/10/2024</a:t>
             </a:fld>
             <a:endParaRPr lang="es-EC"/>
           </a:p>
@@ -1535,7 +1535,7 @@
           <a:p>
             <a:fld id="{1D8BD707-D9CF-40AE-B4C6-C98DA3205C09}" type="datetimeFigureOut">
               <a:rPr lang="en-US"/>
-              <a:t>9/1/2024</a:t>
+              <a:t>10/1/2024</a:t>
             </a:fld>
             <a:endParaRPr lang="en-US"/>
           </a:p>
@@ -1916,7 +1916,7 @@
           <a:p>
             <a:fld id="{8FEB83C7-CE7D-EE43-931B-A983B2AE7CF3}" type="datetimeFigureOut">
               <a:rPr lang="es-EC" smtClean="0"/>
-              <a:t>1/9/2024</a:t>
+              <a:t>1/10/2024</a:t>
             </a:fld>
             <a:endParaRPr lang="es-EC"/>
           </a:p>
@@ -2162,7 +2162,7 @@
           <a:p>
             <a:fld id="{8FEB83C7-CE7D-EE43-931B-A983B2AE7CF3}" type="datetimeFigureOut">
               <a:rPr lang="es-EC" smtClean="0"/>
-              <a:t>1/9/2024</a:t>
+              <a:t>1/10/2024</a:t>
             </a:fld>
             <a:endParaRPr lang="es-EC"/>
           </a:p>
@@ -2394,7 +2394,7 @@
           <a:p>
             <a:fld id="{8FEB83C7-CE7D-EE43-931B-A983B2AE7CF3}" type="datetimeFigureOut">
               <a:rPr lang="es-EC" smtClean="0"/>
-              <a:t>1/9/2024</a:t>
+              <a:t>1/10/2024</a:t>
             </a:fld>
             <a:endParaRPr lang="es-EC"/>
           </a:p>
@@ -2761,7 +2761,7 @@
           <a:p>
             <a:fld id="{8FEB83C7-CE7D-EE43-931B-A983B2AE7CF3}" type="datetimeFigureOut">
               <a:rPr lang="es-EC" smtClean="0"/>
-              <a:t>1/9/2024</a:t>
+              <a:t>1/10/2024</a:t>
             </a:fld>
             <a:endParaRPr lang="es-EC"/>
           </a:p>
@@ -2879,7 +2879,7 @@
           <a:p>
             <a:fld id="{8FEB83C7-CE7D-EE43-931B-A983B2AE7CF3}" type="datetimeFigureOut">
               <a:rPr lang="es-EC" smtClean="0"/>
-              <a:t>1/9/2024</a:t>
+              <a:t>1/10/2024</a:t>
             </a:fld>
             <a:endParaRPr lang="es-EC"/>
           </a:p>
@@ -2974,7 +2974,7 @@
           <a:p>
             <a:fld id="{8FEB83C7-CE7D-EE43-931B-A983B2AE7CF3}" type="datetimeFigureOut">
               <a:rPr lang="es-EC" smtClean="0"/>
-              <a:t>1/9/2024</a:t>
+              <a:t>1/10/2024</a:t>
             </a:fld>
             <a:endParaRPr lang="es-EC"/>
           </a:p>
@@ -3251,7 +3251,7 @@
           <a:p>
             <a:fld id="{8FEB83C7-CE7D-EE43-931B-A983B2AE7CF3}" type="datetimeFigureOut">
               <a:rPr lang="es-EC" smtClean="0"/>
-              <a:t>1/9/2024</a:t>
+              <a:t>1/10/2024</a:t>
             </a:fld>
             <a:endParaRPr lang="es-EC"/>
           </a:p>
@@ -3508,7 +3508,7 @@
           <a:p>
             <a:fld id="{8FEB83C7-CE7D-EE43-931B-A983B2AE7CF3}" type="datetimeFigureOut">
               <a:rPr lang="es-EC" smtClean="0"/>
-              <a:t>1/9/2024</a:t>
+              <a:t>1/10/2024</a:t>
             </a:fld>
             <a:endParaRPr lang="es-EC"/>
           </a:p>
@@ -3721,7 +3721,7 @@
           <a:p>
             <a:fld id="{8FEB83C7-CE7D-EE43-931B-A983B2AE7CF3}" type="datetimeFigureOut">
               <a:rPr lang="es-EC" smtClean="0"/>
-              <a:t>1/9/2024</a:t>
+              <a:t>1/10/2024</a:t>
             </a:fld>
             <a:endParaRPr lang="es-EC"/>
           </a:p>
@@ -4258,7 +4258,7 @@
           <a:p>
             <a:fld id="{8FEB83C7-CE7D-EE43-931B-A983B2AE7CF3}" type="datetimeFigureOut">
               <a:rPr lang="es-EC" smtClean="0"/>
-              <a:t>1/9/2024</a:t>
+              <a:t>1/10/2024</a:t>
             </a:fld>
             <a:endParaRPr lang="es-EC"/>
           </a:p>
@@ -4733,12 +4733,16 @@
           <a:p>
             <a:pPr algn="ctr"/>
             <a:r>
+              <a:rPr lang="es-419"/>
+              <a:t>Sesión 18: </a:t>
+            </a:r>
+            <a:r>
               <a:rPr lang="es-419" dirty="0"/>
-              <a:t>Sesión 18: Sentencia </a:t>
+              <a:t>Sentencia </a:t>
             </a:r>
             <a:r>
               <a:rPr lang="es-419" dirty="0" err="1"/>
-              <a:t>If</a:t>
+              <a:t>if</a:t>
             </a:r>
             <a:r>
               <a:rPr lang="es-419" dirty="0"/>
